--- a/Data pie-Group Project-01.07.pptx
+++ b/Data pie-Group Project-01.07.pptx
@@ -222,7 +222,7 @@
           <a:p>
             <a:fld id="{17384C27-AD57-441C-B8AD-E875BCDD3BE9}" type="datetimeFigureOut">
               <a:rPr lang="en-GB" smtClean="0"/>
-              <a:t>07/01/2019</a:t>
+              <a:t>08/01/2019</a:t>
             </a:fld>
             <a:endParaRPr lang="en-GB"/>
           </a:p>
@@ -387,7 +387,7 @@
           <a:p>
             <a:fld id="{6C106EAC-1067-4D47-B63A-601355133301}" type="datetimeFigureOut">
               <a:rPr kumimoji="1" lang="zh-CN" altLang="en-US" smtClean="0"/>
-              <a:t>2019/1/7</a:t>
+              <a:t>2019/1/8</a:t>
             </a:fld>
             <a:endParaRPr kumimoji="1" lang="zh-CN" altLang="en-US"/>
           </a:p>
@@ -1041,7 +1041,7 @@
           <a:p>
             <a:fld id="{A8119EF8-F707-9D40-A06C-5BE3A1C44859}" type="datetime1">
               <a:rPr lang="zh-CN" altLang="en-US" smtClean="0"/>
-              <a:t>2019/1/7</a:t>
+              <a:t>2019/1/8</a:t>
             </a:fld>
             <a:endParaRPr lang="en-GB"/>
           </a:p>
@@ -1242,7 +1242,7 @@
           <a:p>
             <a:fld id="{40487611-F9F8-114D-8028-6F81FCD20BDF}" type="datetime1">
               <a:rPr lang="zh-CN" altLang="en-US" smtClean="0"/>
-              <a:t>2019/1/7</a:t>
+              <a:t>2019/1/8</a:t>
             </a:fld>
             <a:endParaRPr lang="en-GB"/>
           </a:p>
@@ -1472,7 +1472,7 @@
           <a:p>
             <a:fld id="{B7B4BE56-96FA-3C4F-A9E1-F3F893D4421C}" type="datetime1">
               <a:rPr lang="zh-CN" altLang="en-US" smtClean="0"/>
-              <a:t>2019/1/7</a:t>
+              <a:t>2019/1/8</a:t>
             </a:fld>
             <a:endParaRPr lang="en-GB"/>
           </a:p>
@@ -1645,7 +1645,7 @@
           <a:p>
             <a:fld id="{35DD75E7-29A2-F848-BC42-46A7FE56B666}" type="datetime1">
               <a:rPr lang="zh-CN" altLang="en-US" smtClean="0"/>
-              <a:t>2019/1/7</a:t>
+              <a:t>2019/1/8</a:t>
             </a:fld>
             <a:endParaRPr lang="en-GB"/>
           </a:p>
@@ -2102,7 +2102,7 @@
                   <a:srgbClr val="323D43"/>
                 </a:solidFill>
               </a:rPr>
-              <a:t>2019/1/7</a:t>
+              <a:t>2019/1/8</a:t>
             </a:fld>
             <a:endParaRPr lang="en-GB">
               <a:solidFill>
@@ -2347,7 +2347,7 @@
                   <a:srgbClr val="323D43"/>
                 </a:solidFill>
               </a:rPr>
-              <a:t>2019/1/7</a:t>
+              <a:t>2019/1/8</a:t>
             </a:fld>
             <a:endParaRPr lang="en-GB">
               <a:solidFill>
@@ -2688,7 +2688,7 @@
                   <a:srgbClr val="323D43"/>
                 </a:solidFill>
               </a:rPr>
-              <a:t>2019/1/7</a:t>
+              <a:t>2019/1/8</a:t>
             </a:fld>
             <a:endParaRPr lang="en-GB">
               <a:solidFill>
@@ -3168,7 +3168,7 @@
                   <a:srgbClr val="323D43"/>
                 </a:solidFill>
               </a:rPr>
-              <a:t>2019/1/7</a:t>
+              <a:t>2019/1/8</a:t>
             </a:fld>
             <a:endParaRPr lang="en-GB">
               <a:solidFill>
@@ -3339,7 +3339,7 @@
                   <a:srgbClr val="323D43"/>
                 </a:solidFill>
               </a:rPr>
-              <a:t>2019/1/7</a:t>
+              <a:t>2019/1/8</a:t>
             </a:fld>
             <a:endParaRPr lang="en-GB">
               <a:solidFill>
@@ -3555,7 +3555,7 @@
           <a:p>
             <a:fld id="{7E37434E-F1BC-4148-8F65-6113F8641CE6}" type="datetime1">
               <a:rPr lang="zh-CN" altLang="en-US" smtClean="0"/>
-              <a:t>2019/1/7</a:t>
+              <a:t>2019/1/8</a:t>
             </a:fld>
             <a:endParaRPr lang="en-GB"/>
           </a:p>
@@ -3678,7 +3678,7 @@
                   <a:srgbClr val="323D43"/>
                 </a:solidFill>
               </a:rPr>
-              <a:t>2019/1/7</a:t>
+              <a:t>2019/1/8</a:t>
             </a:fld>
             <a:endParaRPr lang="en-GB">
               <a:solidFill>
@@ -4008,7 +4008,7 @@
                   <a:srgbClr val="323D43"/>
                 </a:solidFill>
               </a:rPr>
-              <a:t>2019/1/7</a:t>
+              <a:t>2019/1/8</a:t>
             </a:fld>
             <a:endParaRPr lang="en-GB">
               <a:solidFill>
@@ -4319,7 +4319,7 @@
                   <a:srgbClr val="323D43"/>
                 </a:solidFill>
               </a:rPr>
-              <a:t>2019/1/7</a:t>
+              <a:t>2019/1/8</a:t>
             </a:fld>
             <a:endParaRPr lang="en-GB">
               <a:solidFill>
@@ -4542,7 +4542,7 @@
                   <a:srgbClr val="323D43"/>
                 </a:solidFill>
               </a:rPr>
-              <a:t>2019/1/7</a:t>
+              <a:t>2019/1/8</a:t>
             </a:fld>
             <a:endParaRPr lang="en-GB">
               <a:solidFill>
@@ -4775,7 +4775,7 @@
                   <a:srgbClr val="323D43"/>
                 </a:solidFill>
               </a:rPr>
-              <a:t>2019/1/7</a:t>
+              <a:t>2019/1/8</a:t>
             </a:fld>
             <a:endParaRPr lang="en-GB">
               <a:solidFill>
@@ -5013,7 +5013,7 @@
           <a:p>
             <a:fld id="{8E6F4514-EC42-E444-85E2-11B80C489118}" type="datetime1">
               <a:rPr lang="zh-CN" altLang="en-US" smtClean="0"/>
-              <a:t>2019/1/7</a:t>
+              <a:t>2019/1/8</a:t>
             </a:fld>
             <a:endParaRPr lang="en-GB"/>
           </a:p>
@@ -5322,7 +5322,7 @@
           <a:p>
             <a:fld id="{15F1C8DC-DBFB-464F-9201-53ECFE228859}" type="datetime1">
               <a:rPr lang="zh-CN" altLang="en-US" smtClean="0"/>
-              <a:t>2019/1/7</a:t>
+              <a:t>2019/1/8</a:t>
             </a:fld>
             <a:endParaRPr lang="en-GB"/>
           </a:p>
@@ -5770,7 +5770,7 @@
           <a:p>
             <a:fld id="{4A8A6864-05A3-9E4D-AC09-C45E9170A891}" type="datetime1">
               <a:rPr lang="zh-CN" altLang="en-US" smtClean="0"/>
-              <a:t>2019/1/7</a:t>
+              <a:t>2019/1/8</a:t>
             </a:fld>
             <a:endParaRPr lang="en-GB"/>
           </a:p>
@@ -5909,7 +5909,7 @@
           <a:p>
             <a:fld id="{D1899A4A-7136-2048-A108-F3250D3046BF}" type="datetime1">
               <a:rPr lang="zh-CN" altLang="en-US" smtClean="0"/>
-              <a:t>2019/1/7</a:t>
+              <a:t>2019/1/8</a:t>
             </a:fld>
             <a:endParaRPr lang="en-GB"/>
           </a:p>
@@ -6025,7 +6025,7 @@
           <a:p>
             <a:fld id="{FF01D385-1E12-004E-B0BB-6336009DCA8B}" type="datetime1">
               <a:rPr lang="zh-CN" altLang="en-US" smtClean="0"/>
-              <a:t>2019/1/7</a:t>
+              <a:t>2019/1/8</a:t>
             </a:fld>
             <a:endParaRPr lang="en-GB"/>
           </a:p>
@@ -6323,7 +6323,7 @@
           <a:p>
             <a:fld id="{C4FCAE94-F7F2-C448-96AA-935241267BB5}" type="datetime1">
               <a:rPr lang="zh-CN" altLang="en-US" smtClean="0"/>
-              <a:t>2019/1/7</a:t>
+              <a:t>2019/1/8</a:t>
             </a:fld>
             <a:endParaRPr lang="en-GB"/>
           </a:p>
@@ -6602,7 +6602,7 @@
           <a:p>
             <a:fld id="{6028DFA5-749D-644F-AD62-3A71D764267C}" type="datetime1">
               <a:rPr lang="zh-CN" altLang="en-US" smtClean="0"/>
-              <a:t>2019/1/7</a:t>
+              <a:t>2019/1/8</a:t>
             </a:fld>
             <a:endParaRPr lang="en-GB"/>
           </a:p>
@@ -7010,7 +7010,7 @@
           <a:p>
             <a:fld id="{090223D9-8455-5943-9D81-8E061381BF7E}" type="datetime1">
               <a:rPr lang="zh-CN" altLang="en-US" smtClean="0"/>
-              <a:t>2019/1/7</a:t>
+              <a:t>2019/1/8</a:t>
             </a:fld>
             <a:endParaRPr lang="en-GB"/>
           </a:p>
@@ -7901,7 +7901,7 @@
                   <a:srgbClr val="323D43"/>
                 </a:solidFill>
               </a:rPr>
-              <a:t>2019/1/7</a:t>
+              <a:t>2019/1/8</a:t>
             </a:fld>
             <a:endParaRPr lang="en-GB">
               <a:solidFill>
@@ -8837,7 +8837,7 @@
                   <a:srgbClr val="323D43"/>
                 </a:solidFill>
               </a:rPr>
-              <a:t>2019/1/7</a:t>
+              <a:t>2019/1/8</a:t>
             </a:fld>
             <a:endParaRPr lang="en-US" altLang="zh-CN" dirty="0">
               <a:solidFill>
@@ -9248,7 +9248,7 @@
                   <a:srgbClr val="323D43"/>
                 </a:solidFill>
               </a:rPr>
-              <a:t>2019/1/7</a:t>
+              <a:t>2019/1/8</a:t>
             </a:fld>
             <a:endParaRPr lang="en-GB" dirty="0">
               <a:solidFill>
@@ -9560,7 +9560,7 @@
                   <a:srgbClr val="323D43"/>
                 </a:solidFill>
               </a:rPr>
-              <a:t>2019/1/7</a:t>
+              <a:t>2019/1/8</a:t>
             </a:fld>
             <a:endParaRPr lang="en-GB" dirty="0">
               <a:solidFill>
@@ -9729,7 +9729,7 @@
                   <a:srgbClr val="323D43"/>
                 </a:solidFill>
               </a:rPr>
-              <a:t>2019/1/7</a:t>
+              <a:t>2019/1/8</a:t>
             </a:fld>
             <a:endParaRPr lang="en-GB" dirty="0">
               <a:solidFill>
@@ -10043,7 +10043,7 @@
                   <a:srgbClr val="323D43"/>
                 </a:solidFill>
               </a:rPr>
-              <a:t>2019/1/7</a:t>
+              <a:t>2019/1/8</a:t>
             </a:fld>
             <a:endParaRPr lang="en-GB" dirty="0">
               <a:solidFill>
@@ -10383,7 +10383,7 @@
                   <a:srgbClr val="323D43"/>
                 </a:solidFill>
               </a:rPr>
-              <a:t>2019/1/7</a:t>
+              <a:t>2019/1/8</a:t>
             </a:fld>
             <a:endParaRPr lang="en-GB" dirty="0">
               <a:solidFill>
@@ -10723,7 +10723,7 @@
                   <a:srgbClr val="323D43"/>
                 </a:solidFill>
               </a:rPr>
-              <a:t>2019/1/7</a:t>
+              <a:t>2019/1/8</a:t>
             </a:fld>
             <a:endParaRPr lang="en-GB" dirty="0">
               <a:solidFill>
@@ -11000,7 +11000,7 @@
                   <a:srgbClr val="323D43"/>
                 </a:solidFill>
               </a:rPr>
-              <a:t>2019/1/7</a:t>
+              <a:t>2019/1/8</a:t>
             </a:fld>
             <a:endParaRPr lang="en-GB" dirty="0">
               <a:solidFill>
@@ -11150,7 +11150,7 @@
         </p:blipFill>
         <p:spPr>
           <a:xfrm>
-            <a:off x="7317933" y="799150"/>
+            <a:off x="7242947" y="801521"/>
             <a:ext cx="4016828" cy="3140242"/>
           </a:xfrm>
           <a:prstGeom prst="rect">
@@ -12610,18 +12610,18 @@
 </file>
 
 <file path=customXml/item1.xml><?xml version="1.0" encoding="utf-8"?>
+<p:properties xmlns:p="http://schemas.microsoft.com/office/2006/metadata/properties" xmlns:xsi="http://www.w3.org/2001/XMLSchema-instance" xmlns:pc="http://schemas.microsoft.com/office/infopath/2007/PartnerControls">
+  <documentManagement/>
+</p:properties>
+</file>
+
+<file path=customXml/item2.xml><?xml version="1.0" encoding="utf-8"?>
 <?mso-contentType ?>
 <FormTemplates xmlns="http://schemas.microsoft.com/sharepoint/v3/contenttype/forms">
   <Display>DocumentLibraryForm</Display>
   <Edit>DocumentLibraryForm</Edit>
   <New>DocumentLibraryForm</New>
 </FormTemplates>
-</file>
-
-<file path=customXml/item2.xml><?xml version="1.0" encoding="utf-8"?>
-<p:properties xmlns:p="http://schemas.microsoft.com/office/2006/metadata/properties" xmlns:xsi="http://www.w3.org/2001/XMLSchema-instance" xmlns:pc="http://schemas.microsoft.com/office/infopath/2007/PartnerControls">
-  <documentManagement/>
-</p:properties>
 </file>
 
 <file path=customXml/item3.xml><?xml version="1.0" encoding="utf-8"?>
@@ -12816,14 +12816,6 @@
 </file>
 
 <file path=customXml/itemProps1.xml><?xml version="1.0" encoding="utf-8"?>
-<ds:datastoreItem xmlns:ds="http://schemas.openxmlformats.org/officeDocument/2006/customXml" ds:itemID="{7DB77E98-EC93-4A37-BD88-B1132857C63B}">
-  <ds:schemaRefs>
-    <ds:schemaRef ds:uri="http://schemas.microsoft.com/sharepoint/v3/contenttype/forms"/>
-  </ds:schemaRefs>
-</ds:datastoreItem>
-</file>
-
-<file path=customXml/itemProps2.xml><?xml version="1.0" encoding="utf-8"?>
 <ds:datastoreItem xmlns:ds="http://schemas.openxmlformats.org/officeDocument/2006/customXml" ds:itemID="{8085CE61-9316-4638-AADE-AE0A6D850301}">
   <ds:schemaRefs>
     <ds:schemaRef ds:uri="http://purl.org/dc/terms/"/>
@@ -12836,6 +12828,14 @@
     <ds:schemaRef ds:uri="a0cc4301-9474-4587-8b41-90b90b946ee2"/>
     <ds:schemaRef ds:uri="http://www.w3.org/XML/1998/namespace"/>
     <ds:schemaRef ds:uri="http://purl.org/dc/dcmitype/"/>
+  </ds:schemaRefs>
+</ds:datastoreItem>
+</file>
+
+<file path=customXml/itemProps2.xml><?xml version="1.0" encoding="utf-8"?>
+<ds:datastoreItem xmlns:ds="http://schemas.openxmlformats.org/officeDocument/2006/customXml" ds:itemID="{7DB77E98-EC93-4A37-BD88-B1132857C63B}">
+  <ds:schemaRefs>
+    <ds:schemaRef ds:uri="http://schemas.microsoft.com/sharepoint/v3/contenttype/forms"/>
   </ds:schemaRefs>
 </ds:datastoreItem>
 </file>
